--- a/UML-SCHEMAS/LILIAN/SCHEMA SYNOPTIQUE/SCHEMA2.pptx
+++ b/UML-SCHEMAS/LILIAN/SCHEMA SYNOPTIQUE/SCHEMA2.pptx
@@ -104,6 +104,11 @@
       </a:defRPr>
     </a:lvl9pPr>
   </p:defaultTextStyle>
+  <p:extLst>
+    <p:ext uri="{EFAFB233-063F-42B5-8137-9DF3F51BA10A}">
+      <p15:sldGuideLst xmlns:p15="http://schemas.microsoft.com/office/powerpoint/2012/main"/>
+    </p:ext>
+  </p:extLst>
 </p:presentation>
 </file>
 
@@ -3524,7 +3529,18 @@
               <a:rPr lang="fr-FR" dirty="0" smtClean="0">
                 <a:latin typeface="Kristen ITC" panose="03050502040202030202" pitchFamily="66" charset="0"/>
               </a:rPr>
-              <a:t>Potentiomètre horizontal</a:t>
+              <a:t>Potentiomètre </a:t>
+            </a:r>
+            <a:endParaRPr lang="fr-FR" dirty="0">
+              <a:latin typeface="Kristen ITC" panose="03050502040202030202" pitchFamily="66" charset="0"/>
+            </a:endParaRPr>
+          </a:p>
+          <a:p>
+            <a:r>
+              <a:rPr lang="fr-FR" dirty="0" smtClean="0">
+                <a:latin typeface="Kristen ITC" panose="03050502040202030202" pitchFamily="66" charset="0"/>
+              </a:rPr>
+              <a:t>Vertical</a:t>
             </a:r>
             <a:endParaRPr lang="fr-FR" dirty="0">
               <a:latin typeface="Kristen ITC" panose="03050502040202030202" pitchFamily="66" charset="0"/>
